--- a/Materials/程序设计综合课程讲解.pptx
+++ b/Materials/程序设计综合课程讲解.pptx
@@ -14741,53 +14741,6 @@
               <a:sym typeface="Arial" panose="020B0604020202020204" pitchFamily="34" charset="0"/>
             </a:endParaRPr>
           </a:p>
-          <a:p>
-            <a:pPr>
-              <a:lnSpc>
-                <a:spcPct val="140000"/>
-              </a:lnSpc>
-              <a:defRPr/>
-            </a:pPr>
-            <a:r>
-              <a:rPr lang="zh-CN" altLang="en-US" sz="2400">
-                <a:solidFill>
-                  <a:schemeClr val="tx1">
-                    <a:lumMod val="50000"/>
-                    <a:lumOff val="50000"/>
-                  </a:schemeClr>
-                </a:solidFill>
-                <a:latin typeface="微软雅黑" panose="020B0503020204020204" charset="-122"/>
-                <a:cs typeface="微软雅黑" panose="020B0503020204020204" charset="-122"/>
-                <a:sym typeface="Arial" panose="020B0604020202020204" pitchFamily="34" charset="0"/>
-              </a:rPr>
-              <a:t>格式不甚统</a:t>
-            </a:r>
-            <a:r>
-              <a:rPr lang="zh-CN" altLang="en-US" sz="2400">
-                <a:solidFill>
-                  <a:schemeClr val="tx1">
-                    <a:lumMod val="50000"/>
-                    <a:lumOff val="50000"/>
-                  </a:schemeClr>
-                </a:solidFill>
-                <a:latin typeface="微软雅黑" panose="020B0503020204020204" charset="-122"/>
-                <a:cs typeface="微软雅黑" panose="020B0503020204020204" charset="-122"/>
-                <a:sym typeface="Arial" panose="020B0604020202020204" pitchFamily="34" charset="0"/>
-              </a:rPr>
-              <a:t>一</a:t>
-            </a:r>
-            <a:endParaRPr lang="zh-CN" altLang="en-US" sz="2400">
-              <a:solidFill>
-                <a:schemeClr val="tx1">
-                  <a:lumMod val="50000"/>
-                  <a:lumOff val="50000"/>
-                </a:schemeClr>
-              </a:solidFill>
-              <a:latin typeface="微软雅黑" panose="020B0503020204020204" charset="-122"/>
-              <a:cs typeface="微软雅黑" panose="020B0503020204020204" charset="-122"/>
-              <a:sym typeface="Arial" panose="020B0604020202020204" pitchFamily="34" charset="0"/>
-            </a:endParaRPr>
-          </a:p>
         </p:txBody>
       </p:sp>
       <p:sp>
@@ -18510,6 +18463,7 @@
   <p:tag name="KSO_WM_TEMPLATE_INDEX" val="20196577"/>
   <p:tag name="KSO_WM_SLIDE_LAYOUT" val="a_d_f_l"/>
   <p:tag name="KSO_WM_SLIDE_LAYOUT_CNT" val="1_1_1_1"/>
+  <p:tag name="KSO_WM_SPECIAL_SOURCE" val="bdnull"/>
 </p:tagLst>
 </file>
 
@@ -18635,6 +18589,7 @@
   <p:tag name="KSO_WM_TEMPLATE_INDEX" val="20196577"/>
   <p:tag name="KSO_WM_SLIDE_LAYOUT" val="a_d_f_l"/>
   <p:tag name="KSO_WM_SLIDE_LAYOUT_CNT" val="1_1_1_1"/>
+  <p:tag name="KSO_WM_SPECIAL_SOURCE" val="bdnull"/>
 </p:tagLst>
 </file>
 
@@ -18723,6 +18678,7 @@
   <p:tag name="KSO_WM_TEMPLATE_INDEX" val="20196577"/>
   <p:tag name="KSO_WM_SLIDE_LAYOUT" val="a_d_f_l"/>
   <p:tag name="KSO_WM_SLIDE_LAYOUT_CNT" val="1_1_1_1"/>
+  <p:tag name="KSO_WM_SPECIAL_SOURCE" val="bdnull"/>
 </p:tagLst>
 </file>
 
@@ -18811,6 +18767,7 @@
   <p:tag name="KSO_WM_TEMPLATE_INDEX" val="20196577"/>
   <p:tag name="KSO_WM_SLIDE_LAYOUT" val="a_d_f_l"/>
   <p:tag name="KSO_WM_SLIDE_LAYOUT_CNT" val="1_1_1_1"/>
+  <p:tag name="KSO_WM_SPECIAL_SOURCE" val="bdnull"/>
 </p:tagLst>
 </file>
 
@@ -18912,6 +18869,7 @@
   <p:tag name="KSO_WM_TEMPLATE_INDEX" val="20196577"/>
   <p:tag name="KSO_WM_SLIDE_LAYOUT" val="a_d_f_l"/>
   <p:tag name="KSO_WM_SLIDE_LAYOUT_CNT" val="1_1_1_1"/>
+  <p:tag name="KSO_WM_SPECIAL_SOURCE" val="bdnull"/>
 </p:tagLst>
 </file>
 
@@ -19000,6 +18958,7 @@
   <p:tag name="KSO_WM_TEMPLATE_INDEX" val="20196577"/>
   <p:tag name="KSO_WM_SLIDE_LAYOUT" val="a_d_f_l"/>
   <p:tag name="KSO_WM_SLIDE_LAYOUT_CNT" val="1_1_1_1"/>
+  <p:tag name="KSO_WM_SPECIAL_SOURCE" val="bdnull"/>
 </p:tagLst>
 </file>
 
@@ -19101,6 +19060,7 @@
   <p:tag name="KSO_WM_TEMPLATE_INDEX" val="20196577"/>
   <p:tag name="KSO_WM_SLIDE_LAYOUT" val="a_d_f_l"/>
   <p:tag name="KSO_WM_SLIDE_LAYOUT_CNT" val="1_1_1_1"/>
+  <p:tag name="KSO_WM_SPECIAL_SOURCE" val="bdnull"/>
 </p:tagLst>
 </file>
 
@@ -19189,6 +19149,7 @@
   <p:tag name="KSO_WM_TEMPLATE_INDEX" val="20196577"/>
   <p:tag name="KSO_WM_SLIDE_LAYOUT" val="a_d_f_l"/>
   <p:tag name="KSO_WM_SLIDE_LAYOUT_CNT" val="1_1_1_1"/>
+  <p:tag name="KSO_WM_SPECIAL_SOURCE" val="bdnull"/>
 </p:tagLst>
 </file>
 
@@ -19277,6 +19238,7 @@
   <p:tag name="KSO_WM_TEMPLATE_INDEX" val="20196577"/>
   <p:tag name="KSO_WM_SLIDE_LAYOUT" val="a_d_f_l"/>
   <p:tag name="KSO_WM_SLIDE_LAYOUT_CNT" val="1_1_1_1"/>
+  <p:tag name="KSO_WM_SPECIAL_SOURCE" val="bdnull"/>
 </p:tagLst>
 </file>
 
@@ -19378,6 +19340,7 @@
   <p:tag name="KSO_WM_TEMPLATE_INDEX" val="20196577"/>
   <p:tag name="KSO_WM_SLIDE_LAYOUT" val="a_d_f_l"/>
   <p:tag name="KSO_WM_SLIDE_LAYOUT_CNT" val="1_1_1_1"/>
+  <p:tag name="KSO_WM_SPECIAL_SOURCE" val="bdnull"/>
 </p:tagLst>
 </file>
 
@@ -19466,6 +19429,7 @@
   <p:tag name="KSO_WM_TEMPLATE_INDEX" val="20196577"/>
   <p:tag name="KSO_WM_SLIDE_LAYOUT" val="a_d_f_l"/>
   <p:tag name="KSO_WM_SLIDE_LAYOUT_CNT" val="1_1_1_1"/>
+  <p:tag name="KSO_WM_SPECIAL_SOURCE" val="bdnull"/>
 </p:tagLst>
 </file>
 
@@ -19504,6 +19468,7 @@
   <p:tag name="KSO_WM_TEMPLATE_INDEX" val="20196577"/>
   <p:tag name="KSO_WM_SLIDE_LAYOUT" val="a"/>
   <p:tag name="KSO_WM_SLIDE_LAYOUT_CNT" val="1"/>
+  <p:tag name="KSO_WM_SPECIAL_SOURCE" val="bdnull"/>
 </p:tagLst>
 </file>
 
@@ -20396,6 +20361,7 @@
   <p:tag name="KSO_WM_TEMPLATE_INDEX" val="20196577"/>
   <p:tag name="KSO_WM_SLIDE_LAYOUT" val="a_b"/>
   <p:tag name="KSO_WM_SLIDE_LAYOUT_CNT" val="1_1"/>
+  <p:tag name="KSO_WM_SPECIAL_SOURCE" val="bdnull"/>
 </p:tagLst>
 </file>
 
@@ -20878,6 +20844,7 @@
   <p:tag name="KSO_WM_TEMPLATE_INDEX" val="20196577"/>
   <p:tag name="KSO_WM_SLIDE_LAYOUT" val="a_m"/>
   <p:tag name="KSO_WM_SLIDE_LAYOUT_CNT" val="1_1"/>
+  <p:tag name="KSO_WM_SPECIAL_SOURCE" val="bdnull"/>
 </p:tagLst>
 </file>
 
@@ -20990,6 +20957,7 @@
   <p:tag name="KSO_WM_TEMPLATE_INDEX" val="20196577"/>
   <p:tag name="KSO_WM_SLIDE_LAYOUT" val="a_d_f_l"/>
   <p:tag name="KSO_WM_SLIDE_LAYOUT_CNT" val="1_1_1_1"/>
+  <p:tag name="KSO_WM_SPECIAL_SOURCE" val="bdnull"/>
 </p:tagLst>
 </file>
 
